--- a/MOOCS/PHASE II/Data Analysis with R Programming.pptx
+++ b/MOOCS/PHASE II/Data Analysis with R Programming.pptx
@@ -5,15 +5,20 @@
     <p:sldMasterId id="2147483648" r:id="rId1"/>
   </p:sldMasterIdLst>
   <p:notesMasterIdLst>
-    <p:notesMasterId r:id="rId9"/>
+    <p:notesMasterId r:id="rId14"/>
   </p:notesMasterIdLst>
   <p:sldIdLst>
     <p:sldId id="260" r:id="rId3"/>
     <p:sldId id="265" r:id="rId4"/>
     <p:sldId id="257" r:id="rId5"/>
     <p:sldId id="263" r:id="rId6"/>
-    <p:sldId id="270" r:id="rId7"/>
-    <p:sldId id="266" r:id="rId8"/>
+    <p:sldId id="273" r:id="rId7"/>
+    <p:sldId id="272" r:id="rId8"/>
+    <p:sldId id="274" r:id="rId9"/>
+    <p:sldId id="275" r:id="rId10"/>
+    <p:sldId id="270" r:id="rId11"/>
+    <p:sldId id="276" r:id="rId12"/>
+    <p:sldId id="266" r:id="rId13"/>
   </p:sldIdLst>
   <p:sldSz cx="12192000" cy="6858000"/>
   <p:notesSz cx="6858000" cy="9144000"/>
@@ -3754,7 +3759,7 @@
 </p:sld>
 </file>
 
-<file path=ppt/slides/slide2.xml><?xml version="1.0" encoding="utf-8"?>
+<file path=ppt/slides/slide10.xml><?xml version="1.0" encoding="utf-8"?>
 <p:sld xmlns:a="http://schemas.openxmlformats.org/drawingml/2006/main" xmlns:r="http://schemas.openxmlformats.org/officeDocument/2006/relationships" xmlns:p="http://schemas.openxmlformats.org/presentationml/2006/main">
   <p:cSld>
     <p:bg>
@@ -3987,7 +3992,7 @@
                   <a:schemeClr val="tx1"/>
                 </a:solidFill>
               </a:rPr>
-              <a:t>Course Outcomes</a:t>
+              <a:t>Conclusion</a:t>
             </a:r>
             <a:endParaRPr lang="en-US" sz="4000" b="1" dirty="0">
               <a:solidFill>
@@ -4053,23 +4058,54 @@
         </p:spPr>
         <p:txBody>
           <a:bodyPr anchor="ctr">
-            <a:normAutofit/>
+            <a:normAutofit lnSpcReduction="10000"/>
           </a:bodyPr>
           <a:lstStyle/>
           <a:p>
-            <a:r>
-              <a:rPr lang="en-US" sz="2400" dirty="0">
-                <a:solidFill>
-                  <a:schemeClr val="tx1"/>
-                </a:solidFill>
-              </a:rPr>
-              <a:t>In this course, you’ll learn about the programming language known as R. You’ll find out how to use RStudio, the environment that allows you to work with R. This course will also cover the software applications and tools that are unique to R, such as R packages. </a:t>
-            </a:r>
             <a:endParaRPr lang="en-US" sz="2400" dirty="0">
               <a:solidFill>
                 <a:schemeClr val="tx1"/>
               </a:solidFill>
             </a:endParaRPr>
+          </a:p>
+          <a:p>
+            <a:r>
+              <a:rPr lang="en-US" sz="2400" dirty="0"/>
+              <a:t>Summary of the course</a:t>
+            </a:r>
+            <a:endParaRPr lang="en-US" sz="2400" dirty="0"/>
+          </a:p>
+          <a:p>
+            <a:endParaRPr lang="en-US" sz="2400" dirty="0"/>
+          </a:p>
+          <a:p>
+            <a:r>
+              <a:rPr lang="en-US" sz="2400" dirty="0"/>
+              <a:t>Future scope of data analytics with R programming</a:t>
+            </a:r>
+            <a:endParaRPr lang="en-US" sz="2400" dirty="0"/>
+          </a:p>
+          <a:p>
+            <a:endParaRPr lang="en-US" sz="2400" dirty="0"/>
+          </a:p>
+          <a:p>
+            <a:r>
+              <a:rPr lang="en-US" sz="2400" dirty="0"/>
+              <a:t>Resources for further learning ( </a:t>
+            </a:r>
+            <a:r>
+              <a:rPr lang="en-US" sz="2400" dirty="0">
+                <a:solidFill>
+                  <a:srgbClr val="FFFF00"/>
+                </a:solidFill>
+              </a:rPr>
+              <a:t>Google Data Analyst Profession Certificate </a:t>
+            </a:r>
+            <a:r>
+              <a:rPr lang="en-US" sz="2400" dirty="0"/>
+              <a:t>)</a:t>
+            </a:r>
+            <a:endParaRPr lang="en-US" sz="2400" dirty="0"/>
           </a:p>
         </p:txBody>
       </p:sp>
@@ -4081,7 +4117,7 @@
 </p:sld>
 </file>
 
-<file path=ppt/slides/slide3.xml><?xml version="1.0" encoding="utf-8"?>
+<file path=ppt/slides/slide11.xml><?xml version="1.0" encoding="utf-8"?>
 <p:sld xmlns:a="http://schemas.openxmlformats.org/drawingml/2006/main" xmlns:r="http://schemas.openxmlformats.org/officeDocument/2006/relationships" xmlns:p="http://schemas.openxmlformats.org/presentationml/2006/main">
   <p:cSld>
     <p:bg>
@@ -4297,7 +4333,7 @@
         </p:nvSpPr>
         <p:spPr>
           <a:xfrm>
-            <a:off x="636905" y="1085850"/>
+            <a:off x="4159250" y="995045"/>
             <a:ext cx="3630295" cy="4686935"/>
           </a:xfrm>
         </p:spPr>
@@ -4307,92 +4343,16 @@
           </a:bodyPr>
           <a:lstStyle/>
           <a:p>
-            <a:pPr algn="r"/>
+            <a:pPr algn="ctr"/>
             <a:r>
               <a:rPr lang="en-US" sz="4000" b="1" dirty="0">
                 <a:solidFill>
                   <a:schemeClr val="tx1"/>
                 </a:solidFill>
               </a:rPr>
-              <a:t>Data Analysis</a:t>
+              <a:t>Thank You !!!</a:t>
             </a:r>
             <a:endParaRPr lang="en-US" sz="4000" b="1" dirty="0">
-              <a:solidFill>
-                <a:schemeClr val="tx1"/>
-              </a:solidFill>
-            </a:endParaRPr>
-          </a:p>
-        </p:txBody>
-      </p:sp>
-      <p:cxnSp>
-        <p:nvCxnSpPr>
-          <p:cNvPr id="14" name="Straight Connector 13"/>
-          <p:cNvCxnSpPr>
-            <a:cxnSpLocks noGrp="1" noRot="1" noChangeAspect="1" noMove="1" noResize="1" noEditPoints="1" noAdjustHandles="1" noChangeArrowheads="1" noChangeShapeType="1"/>
-          </p:cNvCxnSpPr>
-          <p:nvPr/>
-        </p:nvCxnSpPr>
-        <p:spPr>
-          <a:xfrm>
-            <a:off x="4654550" y="1365885"/>
-            <a:ext cx="0" cy="4218305"/>
-          </a:xfrm>
-          <a:prstGeom prst="line">
-            <a:avLst/>
-          </a:prstGeom>
-          <a:ln w="15875" cap="sq">
-            <a:solidFill>
-              <a:schemeClr val="tx1"/>
-            </a:solidFill>
-            <a:miter lim="800000"/>
-          </a:ln>
-        </p:spPr>
-        <p:style>
-          <a:lnRef idx="1">
-            <a:schemeClr val="accent1"/>
-          </a:lnRef>
-          <a:fillRef idx="0">
-            <a:schemeClr val="accent1"/>
-          </a:fillRef>
-          <a:effectRef idx="0">
-            <a:schemeClr val="accent1"/>
-          </a:effectRef>
-          <a:fontRef idx="minor">
-            <a:schemeClr val="tx1"/>
-          </a:fontRef>
-        </p:style>
-      </p:cxnSp>
-      <p:sp>
-        <p:nvSpPr>
-          <p:cNvPr id="3" name="Content Placeholder 2"/>
-          <p:cNvSpPr>
-            <a:spLocks noGrp="1"/>
-          </p:cNvSpPr>
-          <p:nvPr>
-            <p:ph idx="1"/>
-          </p:nvPr>
-        </p:nvSpPr>
-        <p:spPr>
-          <a:xfrm>
-            <a:off x="5041399" y="1085549"/>
-            <a:ext cx="5579707" cy="4686903"/>
-          </a:xfrm>
-        </p:spPr>
-        <p:txBody>
-          <a:bodyPr anchor="ctr">
-            <a:normAutofit/>
-          </a:bodyPr>
-          <a:lstStyle/>
-          <a:p>
-            <a:r>
-              <a:rPr lang="en-US" sz="2400" dirty="0">
-                <a:solidFill>
-                  <a:schemeClr val="tx1"/>
-                </a:solidFill>
-              </a:rPr>
-              <a:t>Data analysis is the process of cleaning, changing, and processing raw data and extracting actionable, relevant information that helps businesses make informed decisions.</a:t>
-            </a:r>
-            <a:endParaRPr lang="en-US" sz="2400" dirty="0">
               <a:solidFill>
                 <a:schemeClr val="tx1"/>
               </a:solidFill>
@@ -4408,7 +4368,7 @@
 </p:sld>
 </file>
 
-<file path=ppt/slides/slide4.xml><?xml version="1.0" encoding="utf-8"?>
+<file path=ppt/slides/slide2.xml><?xml version="1.0" encoding="utf-8"?>
 <p:sld xmlns:a="http://schemas.openxmlformats.org/drawingml/2006/main" xmlns:r="http://schemas.openxmlformats.org/officeDocument/2006/relationships" xmlns:p="http://schemas.openxmlformats.org/presentationml/2006/main">
   <p:cSld>
     <p:bg>
@@ -4641,7 +4601,7 @@
                   <a:schemeClr val="tx1"/>
                 </a:solidFill>
               </a:rPr>
-              <a:t> Programming with R</a:t>
+              <a:t>Course Outcomes</a:t>
             </a:r>
             <a:endParaRPr lang="en-US" sz="4000" b="1" dirty="0">
               <a:solidFill>
@@ -4717,52 +4677,7 @@
                   <a:schemeClr val="tx1"/>
                 </a:solidFill>
               </a:rPr>
-              <a:t>R is a programming language that can help you in your data analysis process.</a:t>
-            </a:r>
-            <a:endParaRPr lang="en-US" sz="2400" dirty="0">
-              <a:solidFill>
-                <a:schemeClr val="tx1"/>
-              </a:solidFill>
-            </a:endParaRPr>
-          </a:p>
-          <a:p>
-            <a:r>
-              <a:rPr lang="en-US" sz="2400" dirty="0">
-                <a:solidFill>
-                  <a:schemeClr val="tx1"/>
-                </a:solidFill>
-              </a:rPr>
-              <a:t>RStudio is the environment you’ll use to work in R.</a:t>
-            </a:r>
-            <a:endParaRPr lang="en-US" sz="2400" dirty="0">
-              <a:solidFill>
-                <a:schemeClr val="tx1"/>
-              </a:solidFill>
-            </a:endParaRPr>
-          </a:p>
-          <a:p>
-            <a:r>
-              <a:rPr lang="en-US" sz="2400" dirty="0">
-                <a:solidFill>
-                  <a:schemeClr val="tx1"/>
-                </a:solidFill>
-              </a:rPr>
-              <a:t>Using R can help you complete your analysis efficiently and effectively.</a:t>
-            </a:r>
-            <a:endParaRPr lang="en-US" sz="2400" dirty="0">
-              <a:solidFill>
-                <a:schemeClr val="tx1"/>
-              </a:solidFill>
-            </a:endParaRPr>
-          </a:p>
-          <a:p>
-            <a:r>
-              <a:rPr lang="en-US" sz="2400" dirty="0">
-                <a:solidFill>
-                  <a:schemeClr val="tx1"/>
-                </a:solidFill>
-              </a:rPr>
-              <a:t>The R programming language was designed to work with data at all stages of the data analysis process.</a:t>
+              <a:t>In this course, you’ll learn about the programming language known as R. You’ll find out how to use RStudio, the environment that allows you to work with R. This course will also cover the software applications and tools that are unique to R, such as R packages. </a:t>
             </a:r>
             <a:endParaRPr lang="en-US" sz="2400" dirty="0">
               <a:solidFill>
@@ -4780,7 +4695,7 @@
 </p:sld>
 </file>
 
-<file path=ppt/slides/slide5.xml><?xml version="1.0" encoding="utf-8"?>
+<file path=ppt/slides/slide3.xml><?xml version="1.0" encoding="utf-8"?>
 <p:sld xmlns:a="http://schemas.openxmlformats.org/drawingml/2006/main" xmlns:r="http://schemas.openxmlformats.org/officeDocument/2006/relationships" xmlns:p="http://schemas.openxmlformats.org/presentationml/2006/main">
   <p:cSld>
     <p:bg>
@@ -5013,7 +4928,7 @@
                   <a:schemeClr val="tx1"/>
                 </a:solidFill>
               </a:rPr>
-              <a:t> Current Progress</a:t>
+              <a:t>Data Analysis</a:t>
             </a:r>
             <a:endParaRPr lang="en-US" sz="4000" b="1" dirty="0">
               <a:solidFill>
@@ -5061,32 +4976,44 @@
           </a:fontRef>
         </p:style>
       </p:cxnSp>
-      <p:pic>
-        <p:nvPicPr>
-          <p:cNvPr id="4" name="Content Placeholder 3"/>
-          <p:cNvPicPr>
-            <a:picLocks noChangeAspect="1"/>
-          </p:cNvPicPr>
+      <p:sp>
+        <p:nvSpPr>
+          <p:cNvPr id="3" name="Content Placeholder 2"/>
+          <p:cNvSpPr>
+            <a:spLocks noGrp="1"/>
+          </p:cNvSpPr>
           <p:nvPr>
             <p:ph idx="1"/>
           </p:nvPr>
-        </p:nvPicPr>
-        <p:blipFill>
-          <a:blip r:embed="rId2"/>
-          <a:stretch>
-            <a:fillRect/>
-          </a:stretch>
-        </p:blipFill>
+        </p:nvSpPr>
         <p:spPr>
           <a:xfrm>
-            <a:off x="5041265" y="1859280"/>
-            <a:ext cx="5579745" cy="3138170"/>
-          </a:xfrm>
-          <a:prstGeom prst="rect">
-            <a:avLst/>
-          </a:prstGeom>
+            <a:off x="5041399" y="1085549"/>
+            <a:ext cx="5579707" cy="4686903"/>
+          </a:xfrm>
         </p:spPr>
-      </p:pic>
+        <p:txBody>
+          <a:bodyPr anchor="ctr">
+            <a:normAutofit/>
+          </a:bodyPr>
+          <a:lstStyle/>
+          <a:p>
+            <a:r>
+              <a:rPr lang="en-US" sz="2400" dirty="0">
+                <a:solidFill>
+                  <a:schemeClr val="tx1"/>
+                </a:solidFill>
+              </a:rPr>
+              <a:t>Data analysis is the process of cleaning, changing, and processing raw data and extracting actionable, relevant information that helps businesses make informed decisions.</a:t>
+            </a:r>
+            <a:endParaRPr lang="en-US" sz="2400" dirty="0">
+              <a:solidFill>
+                <a:schemeClr val="tx1"/>
+              </a:solidFill>
+            </a:endParaRPr>
+          </a:p>
+        </p:txBody>
+      </p:sp>
     </p:spTree>
   </p:cSld>
   <p:clrMapOvr>
@@ -5095,7 +5022,7 @@
 </p:sld>
 </file>
 
-<file path=ppt/slides/slide6.xml><?xml version="1.0" encoding="utf-8"?>
+<file path=ppt/slides/slide4.xml><?xml version="1.0" encoding="utf-8"?>
 <p:sld xmlns:a="http://schemas.openxmlformats.org/drawingml/2006/main" xmlns:r="http://schemas.openxmlformats.org/officeDocument/2006/relationships" xmlns:p="http://schemas.openxmlformats.org/presentationml/2006/main">
   <p:cSld>
     <p:bg>
@@ -5311,7 +5238,7 @@
         </p:nvSpPr>
         <p:spPr>
           <a:xfrm>
-            <a:off x="4159250" y="995045"/>
+            <a:off x="636905" y="1085850"/>
             <a:ext cx="3630295" cy="4686935"/>
           </a:xfrm>
         </p:spPr>
@@ -5321,14 +5248,14 @@
           </a:bodyPr>
           <a:lstStyle/>
           <a:p>
-            <a:pPr algn="ctr"/>
+            <a:pPr algn="r"/>
             <a:r>
               <a:rPr lang="en-US" sz="4000" b="1" dirty="0">
                 <a:solidFill>
                   <a:schemeClr val="tx1"/>
                 </a:solidFill>
               </a:rPr>
-              <a:t>Thank You !!!</a:t>
+              <a:t> Programming with R</a:t>
             </a:r>
             <a:endParaRPr lang="en-US" sz="4000" b="1" dirty="0">
               <a:solidFill>
@@ -5338,6 +5265,2088 @@
           </a:p>
         </p:txBody>
       </p:sp>
+      <p:cxnSp>
+        <p:nvCxnSpPr>
+          <p:cNvPr id="14" name="Straight Connector 13"/>
+          <p:cNvCxnSpPr>
+            <a:cxnSpLocks noGrp="1" noRot="1" noChangeAspect="1" noMove="1" noResize="1" noEditPoints="1" noAdjustHandles="1" noChangeArrowheads="1" noChangeShapeType="1"/>
+          </p:cNvCxnSpPr>
+          <p:nvPr/>
+        </p:nvCxnSpPr>
+        <p:spPr>
+          <a:xfrm>
+            <a:off x="4654550" y="1365885"/>
+            <a:ext cx="0" cy="4218305"/>
+          </a:xfrm>
+          <a:prstGeom prst="line">
+            <a:avLst/>
+          </a:prstGeom>
+          <a:ln w="15875" cap="sq">
+            <a:solidFill>
+              <a:schemeClr val="tx1"/>
+            </a:solidFill>
+            <a:miter lim="800000"/>
+          </a:ln>
+        </p:spPr>
+        <p:style>
+          <a:lnRef idx="1">
+            <a:schemeClr val="accent1"/>
+          </a:lnRef>
+          <a:fillRef idx="0">
+            <a:schemeClr val="accent1"/>
+          </a:fillRef>
+          <a:effectRef idx="0">
+            <a:schemeClr val="accent1"/>
+          </a:effectRef>
+          <a:fontRef idx="minor">
+            <a:schemeClr val="tx1"/>
+          </a:fontRef>
+        </p:style>
+      </p:cxnSp>
+      <p:sp>
+        <p:nvSpPr>
+          <p:cNvPr id="3" name="Content Placeholder 2"/>
+          <p:cNvSpPr>
+            <a:spLocks noGrp="1"/>
+          </p:cNvSpPr>
+          <p:nvPr>
+            <p:ph idx="1"/>
+          </p:nvPr>
+        </p:nvSpPr>
+        <p:spPr>
+          <a:xfrm>
+            <a:off x="5041265" y="1085850"/>
+            <a:ext cx="6218555" cy="4686935"/>
+          </a:xfrm>
+        </p:spPr>
+        <p:txBody>
+          <a:bodyPr anchor="ctr">
+            <a:normAutofit lnSpcReduction="20000"/>
+          </a:bodyPr>
+          <a:lstStyle/>
+          <a:p>
+            <a:r>
+              <a:rPr lang="en-US" sz="2400" dirty="0">
+                <a:solidFill>
+                  <a:schemeClr val="tx1"/>
+                </a:solidFill>
+              </a:rPr>
+              <a:t>R is a programming language that can help you in your data analysis process.</a:t>
+            </a:r>
+            <a:endParaRPr lang="en-US" sz="2400" dirty="0">
+              <a:solidFill>
+                <a:schemeClr val="tx1"/>
+              </a:solidFill>
+            </a:endParaRPr>
+          </a:p>
+          <a:p>
+            <a:endParaRPr lang="en-US" sz="2400" dirty="0">
+              <a:solidFill>
+                <a:schemeClr val="tx1"/>
+              </a:solidFill>
+            </a:endParaRPr>
+          </a:p>
+          <a:p>
+            <a:r>
+              <a:rPr lang="en-US" sz="2400" dirty="0">
+                <a:solidFill>
+                  <a:schemeClr val="tx1"/>
+                </a:solidFill>
+              </a:rPr>
+              <a:t>RStudio is the environment you’ll use to work in R.</a:t>
+            </a:r>
+            <a:endParaRPr lang="en-US" sz="2400" dirty="0">
+              <a:solidFill>
+                <a:schemeClr val="tx1"/>
+              </a:solidFill>
+            </a:endParaRPr>
+          </a:p>
+          <a:p>
+            <a:endParaRPr lang="en-US" sz="2400" dirty="0">
+              <a:solidFill>
+                <a:schemeClr val="tx1"/>
+              </a:solidFill>
+            </a:endParaRPr>
+          </a:p>
+          <a:p>
+            <a:r>
+              <a:rPr lang="en-US" sz="2400" dirty="0">
+                <a:solidFill>
+                  <a:schemeClr val="tx1"/>
+                </a:solidFill>
+              </a:rPr>
+              <a:t>Using R can help you complete your analysis efficiently and effectively.</a:t>
+            </a:r>
+            <a:endParaRPr lang="en-US" sz="2400" dirty="0">
+              <a:solidFill>
+                <a:schemeClr val="tx1"/>
+              </a:solidFill>
+            </a:endParaRPr>
+          </a:p>
+          <a:p>
+            <a:endParaRPr lang="en-US" sz="2400" dirty="0">
+              <a:solidFill>
+                <a:schemeClr val="tx1"/>
+              </a:solidFill>
+            </a:endParaRPr>
+          </a:p>
+          <a:p>
+            <a:r>
+              <a:rPr lang="en-US" sz="2400" dirty="0">
+                <a:solidFill>
+                  <a:schemeClr val="tx1"/>
+                </a:solidFill>
+              </a:rPr>
+              <a:t>The R programming language was designed to work with data at all stages of the data analysis process.</a:t>
+            </a:r>
+            <a:endParaRPr lang="en-US" sz="2400" dirty="0">
+              <a:solidFill>
+                <a:schemeClr val="tx1"/>
+              </a:solidFill>
+            </a:endParaRPr>
+          </a:p>
+        </p:txBody>
+      </p:sp>
+    </p:spTree>
+  </p:cSld>
+  <p:clrMapOvr>
+    <a:overrideClrMapping bg1="dk1" tx1="lt1" bg2="dk2" tx2="lt2" accent1="accent1" accent2="accent2" accent3="accent3" accent4="accent4" accent5="accent5" accent6="accent6" hlink="hlink" folHlink="folHlink"/>
+  </p:clrMapOvr>
+</p:sld>
+</file>
+
+<file path=ppt/slides/slide5.xml><?xml version="1.0" encoding="utf-8"?>
+<p:sld xmlns:a="http://schemas.openxmlformats.org/drawingml/2006/main" xmlns:r="http://schemas.openxmlformats.org/officeDocument/2006/relationships" xmlns:p="http://schemas.openxmlformats.org/presentationml/2006/main">
+  <p:cSld>
+    <p:bg>
+      <p:bgPr>
+        <a:blipFill rotWithShape="1">
+          <a:blip r:embed="rId1">
+            <a:duotone>
+              <a:schemeClr val="bg2">
+                <a:shade val="69000"/>
+                <a:hueMod val="91000"/>
+                <a:satMod val="164000"/>
+                <a:lumMod val="74000"/>
+              </a:schemeClr>
+              <a:schemeClr val="bg2">
+                <a:hueMod val="124000"/>
+                <a:satMod val="140000"/>
+                <a:lumMod val="142000"/>
+              </a:schemeClr>
+            </a:duotone>
+          </a:blip>
+          <a:stretch>
+            <a:fillRect/>
+          </a:stretch>
+        </a:blipFill>
+        <a:effectLst/>
+      </p:bgPr>
+    </p:bg>
+    <p:spTree>
+      <p:nvGrpSpPr>
+        <p:cNvPr id="1" name=""/>
+        <p:cNvGrpSpPr/>
+        <p:nvPr/>
+      </p:nvGrpSpPr>
+      <p:grpSpPr>
+        <a:xfrm>
+          <a:off x="0" y="0"/>
+          <a:ext cx="0" cy="0"/>
+          <a:chOff x="0" y="0"/>
+          <a:chExt cx="0" cy="0"/>
+        </a:xfrm>
+      </p:grpSpPr>
+      <p:sp useBgFill="1">
+        <p:nvSpPr>
+          <p:cNvPr id="8" name="Rectangle 7"/>
+          <p:cNvSpPr>
+            <a:spLocks noGrp="1" noRot="1" noChangeAspect="1" noMove="1" noResize="1" noEditPoints="1" noAdjustHandles="1" noChangeArrowheads="1" noChangeShapeType="1" noTextEdit="1"/>
+          </p:cNvSpPr>
+          <p:nvPr/>
+        </p:nvSpPr>
+        <p:spPr>
+          <a:xfrm>
+            <a:off x="0" y="0"/>
+            <a:ext cx="12192000" cy="6858000"/>
+          </a:xfrm>
+          <a:prstGeom prst="rect">
+            <a:avLst/>
+          </a:prstGeom>
+          <a:ln>
+            <a:noFill/>
+          </a:ln>
+        </p:spPr>
+        <p:style>
+          <a:lnRef idx="2">
+            <a:schemeClr val="accent1">
+              <a:shade val="50000"/>
+            </a:schemeClr>
+          </a:lnRef>
+          <a:fillRef idx="1">
+            <a:schemeClr val="accent1"/>
+          </a:fillRef>
+          <a:effectRef idx="0">
+            <a:schemeClr val="accent1"/>
+          </a:effectRef>
+          <a:fontRef idx="minor">
+            <a:schemeClr val="lt1"/>
+          </a:fontRef>
+        </p:style>
+        <p:txBody>
+          <a:bodyPr rtlCol="0" anchor="ctr"/>
+          <a:lstStyle/>
+          <a:p>
+            <a:pPr algn="ctr"/>
+            <a:endParaRPr lang="en-US"/>
+          </a:p>
+        </p:txBody>
+      </p:sp>
+      <p:grpSp>
+        <p:nvGrpSpPr>
+          <p:cNvPr id="10" name="Group 9"/>
+          <p:cNvGrpSpPr>
+            <a:grpSpLocks noGrp="1" noRot="1" noChangeAspect="1" noMove="1" noResize="1" noUngrp="1"/>
+          </p:cNvGrpSpPr>
+          <p:nvPr/>
+        </p:nvGrpSpPr>
+        <p:grpSpPr>
+          <a:xfrm>
+            <a:off x="0" y="0"/>
+            <a:ext cx="12192000" cy="6858000"/>
+            <a:chOff x="0" y="0"/>
+            <a:chExt cx="12192000" cy="6858000"/>
+          </a:xfrm>
+        </p:grpSpPr>
+        <p:sp>
+          <p:nvSpPr>
+            <p:cNvPr id="11" name="Rectangle 10"/>
+            <p:cNvSpPr/>
+            <p:nvPr/>
+          </p:nvSpPr>
+          <p:spPr>
+            <a:xfrm>
+              <a:off x="0" y="0"/>
+              <a:ext cx="12192000" cy="6858000"/>
+            </a:xfrm>
+            <a:prstGeom prst="rect">
+              <a:avLst/>
+            </a:prstGeom>
+            <a:noFill/>
+            <a:ln>
+              <a:noFill/>
+            </a:ln>
+          </p:spPr>
+          <p:style>
+            <a:lnRef idx="2">
+              <a:schemeClr val="accent1">
+                <a:shade val="50000"/>
+              </a:schemeClr>
+            </a:lnRef>
+            <a:fillRef idx="1">
+              <a:schemeClr val="accent1"/>
+            </a:fillRef>
+            <a:effectRef idx="0">
+              <a:schemeClr val="accent1"/>
+            </a:effectRef>
+            <a:fontRef idx="minor">
+              <a:schemeClr val="lt1"/>
+            </a:fontRef>
+          </p:style>
+        </p:sp>
+        <p:sp>
+          <p:nvSpPr>
+            <p:cNvPr id="12" name="Freeform 5"/>
+            <p:cNvSpPr>
+              <a:spLocks noEditPoints="1"/>
+            </p:cNvSpPr>
+            <p:nvPr/>
+          </p:nvSpPr>
+          <p:spPr bwMode="gray">
+            <a:xfrm>
+              <a:off x="0" y="1587"/>
+              <a:ext cx="12192000" cy="6856413"/>
+            </a:xfrm>
+            <a:custGeom>
+              <a:avLst/>
+              <a:gdLst/>
+              <a:ahLst/>
+              <a:cxnLst/>
+              <a:rect l="0" t="0" r="r" b="b"/>
+              <a:pathLst>
+                <a:path w="15356" h="8638">
+                  <a:moveTo>
+                    <a:pt x="0" y="0"/>
+                  </a:moveTo>
+                  <a:lnTo>
+                    <a:pt x="0" y="8638"/>
+                  </a:lnTo>
+                  <a:lnTo>
+                    <a:pt x="15356" y="8638"/>
+                  </a:lnTo>
+                  <a:lnTo>
+                    <a:pt x="15356" y="0"/>
+                  </a:lnTo>
+                  <a:lnTo>
+                    <a:pt x="0" y="0"/>
+                  </a:lnTo>
+                  <a:close/>
+                  <a:moveTo>
+                    <a:pt x="14748" y="8038"/>
+                  </a:moveTo>
+                  <a:lnTo>
+                    <a:pt x="600" y="8038"/>
+                  </a:lnTo>
+                  <a:lnTo>
+                    <a:pt x="600" y="592"/>
+                  </a:lnTo>
+                  <a:lnTo>
+                    <a:pt x="14748" y="592"/>
+                  </a:lnTo>
+                  <a:lnTo>
+                    <a:pt x="14748" y="8038"/>
+                  </a:lnTo>
+                  <a:close/>
+                </a:path>
+              </a:pathLst>
+            </a:custGeom>
+            <a:solidFill>
+              <a:schemeClr val="tx1"/>
+            </a:solidFill>
+            <a:ln>
+              <a:noFill/>
+            </a:ln>
+          </p:spPr>
+        </p:sp>
+      </p:grpSp>
+      <p:sp>
+        <p:nvSpPr>
+          <p:cNvPr id="2" name="Title 1"/>
+          <p:cNvSpPr>
+            <a:spLocks noGrp="1"/>
+          </p:cNvSpPr>
+          <p:nvPr>
+            <p:ph type="title"/>
+          </p:nvPr>
+        </p:nvSpPr>
+        <p:spPr>
+          <a:xfrm>
+            <a:off x="636905" y="1085850"/>
+            <a:ext cx="3630295" cy="4686935"/>
+          </a:xfrm>
+        </p:spPr>
+        <p:txBody>
+          <a:bodyPr anchor="ctr">
+            <a:normAutofit/>
+          </a:bodyPr>
+          <a:lstStyle/>
+          <a:p>
+            <a:pPr algn="r"/>
+            <a:r>
+              <a:rPr lang="en-US" sz="4000" b="1" dirty="0">
+                <a:solidFill>
+                  <a:schemeClr val="tx1"/>
+                </a:solidFill>
+              </a:rPr>
+              <a:t> Why R ?</a:t>
+            </a:r>
+            <a:endParaRPr lang="en-US" sz="4000" b="1" dirty="0">
+              <a:solidFill>
+                <a:schemeClr val="tx1"/>
+              </a:solidFill>
+            </a:endParaRPr>
+          </a:p>
+        </p:txBody>
+      </p:sp>
+      <p:cxnSp>
+        <p:nvCxnSpPr>
+          <p:cNvPr id="14" name="Straight Connector 13"/>
+          <p:cNvCxnSpPr>
+            <a:cxnSpLocks noGrp="1" noRot="1" noChangeAspect="1" noMove="1" noResize="1" noEditPoints="1" noAdjustHandles="1" noChangeArrowheads="1" noChangeShapeType="1"/>
+          </p:cNvCxnSpPr>
+          <p:nvPr/>
+        </p:nvCxnSpPr>
+        <p:spPr>
+          <a:xfrm>
+            <a:off x="4654550" y="1365885"/>
+            <a:ext cx="0" cy="4218305"/>
+          </a:xfrm>
+          <a:prstGeom prst="line">
+            <a:avLst/>
+          </a:prstGeom>
+          <a:ln w="15875" cap="sq">
+            <a:solidFill>
+              <a:schemeClr val="tx1"/>
+            </a:solidFill>
+            <a:miter lim="800000"/>
+          </a:ln>
+        </p:spPr>
+        <p:style>
+          <a:lnRef idx="1">
+            <a:schemeClr val="accent1"/>
+          </a:lnRef>
+          <a:fillRef idx="0">
+            <a:schemeClr val="accent1"/>
+          </a:fillRef>
+          <a:effectRef idx="0">
+            <a:schemeClr val="accent1"/>
+          </a:effectRef>
+          <a:fontRef idx="minor">
+            <a:schemeClr val="tx1"/>
+          </a:fontRef>
+        </p:style>
+      </p:cxnSp>
+      <p:sp>
+        <p:nvSpPr>
+          <p:cNvPr id="3" name="Content Placeholder 2"/>
+          <p:cNvSpPr>
+            <a:spLocks noGrp="1"/>
+          </p:cNvSpPr>
+          <p:nvPr>
+            <p:ph idx="1"/>
+          </p:nvPr>
+        </p:nvSpPr>
+        <p:spPr>
+          <a:xfrm>
+            <a:off x="5041265" y="1085850"/>
+            <a:ext cx="6412230" cy="4686935"/>
+          </a:xfrm>
+        </p:spPr>
+        <p:txBody>
+          <a:bodyPr anchor="ctr">
+            <a:normAutofit/>
+          </a:bodyPr>
+          <a:lstStyle/>
+          <a:p>
+            <a:r>
+              <a:rPr lang="en-US" sz="2400" dirty="0">
+                <a:solidFill>
+                  <a:schemeClr val="tx1"/>
+                </a:solidFill>
+              </a:rPr>
+              <a:t>R is free and open source, so it is widely accessible</a:t>
+            </a:r>
+            <a:endParaRPr lang="en-US" sz="2400" dirty="0">
+              <a:solidFill>
+                <a:schemeClr val="tx1"/>
+              </a:solidFill>
+            </a:endParaRPr>
+          </a:p>
+          <a:p>
+            <a:endParaRPr lang="en-US" sz="2400" dirty="0">
+              <a:solidFill>
+                <a:schemeClr val="tx1"/>
+              </a:solidFill>
+            </a:endParaRPr>
+          </a:p>
+          <a:p>
+            <a:r>
+              <a:rPr lang="en-US" sz="2400" dirty="0">
+                <a:solidFill>
+                  <a:schemeClr val="tx1"/>
+                </a:solidFill>
+              </a:rPr>
+              <a:t>It has a large and active user community, so there are many resources available for learning and troubleshooting</a:t>
+            </a:r>
+            <a:endParaRPr lang="en-US" sz="2400" dirty="0">
+              <a:solidFill>
+                <a:schemeClr val="tx1"/>
+              </a:solidFill>
+            </a:endParaRPr>
+          </a:p>
+          <a:p>
+            <a:endParaRPr lang="en-US" sz="2400" dirty="0">
+              <a:solidFill>
+                <a:schemeClr val="tx1"/>
+              </a:solidFill>
+            </a:endParaRPr>
+          </a:p>
+          <a:p>
+            <a:r>
+              <a:rPr lang="en-US" sz="2400" dirty="0">
+                <a:solidFill>
+                  <a:schemeClr val="tx1"/>
+                </a:solidFill>
+              </a:rPr>
+              <a:t>R has a vast number of libraries and packages available for statistical computing and data analysis</a:t>
+            </a:r>
+            <a:endParaRPr lang="en-US" sz="2400" dirty="0">
+              <a:solidFill>
+                <a:schemeClr val="tx1"/>
+              </a:solidFill>
+            </a:endParaRPr>
+          </a:p>
+        </p:txBody>
+      </p:sp>
+    </p:spTree>
+  </p:cSld>
+  <p:clrMapOvr>
+    <a:overrideClrMapping bg1="dk1" tx1="lt1" bg2="dk2" tx2="lt2" accent1="accent1" accent2="accent2" accent3="accent3" accent4="accent4" accent5="accent5" accent6="accent6" hlink="hlink" folHlink="folHlink"/>
+  </p:clrMapOvr>
+</p:sld>
+</file>
+
+<file path=ppt/slides/slide6.xml><?xml version="1.0" encoding="utf-8"?>
+<p:sld xmlns:a="http://schemas.openxmlformats.org/drawingml/2006/main" xmlns:r="http://schemas.openxmlformats.org/officeDocument/2006/relationships" xmlns:p="http://schemas.openxmlformats.org/presentationml/2006/main">
+  <p:cSld>
+    <p:bg>
+      <p:bgPr>
+        <a:blipFill rotWithShape="1">
+          <a:blip r:embed="rId1">
+            <a:duotone>
+              <a:schemeClr val="bg2">
+                <a:shade val="69000"/>
+                <a:hueMod val="91000"/>
+                <a:satMod val="164000"/>
+                <a:lumMod val="74000"/>
+              </a:schemeClr>
+              <a:schemeClr val="bg2">
+                <a:hueMod val="124000"/>
+                <a:satMod val="140000"/>
+                <a:lumMod val="142000"/>
+              </a:schemeClr>
+            </a:duotone>
+          </a:blip>
+          <a:stretch>
+            <a:fillRect/>
+          </a:stretch>
+        </a:blipFill>
+        <a:effectLst/>
+      </p:bgPr>
+    </p:bg>
+    <p:spTree>
+      <p:nvGrpSpPr>
+        <p:cNvPr id="1" name=""/>
+        <p:cNvGrpSpPr/>
+        <p:nvPr/>
+      </p:nvGrpSpPr>
+      <p:grpSpPr>
+        <a:xfrm>
+          <a:off x="0" y="0"/>
+          <a:ext cx="0" cy="0"/>
+          <a:chOff x="0" y="0"/>
+          <a:chExt cx="0" cy="0"/>
+        </a:xfrm>
+      </p:grpSpPr>
+      <p:sp useBgFill="1">
+        <p:nvSpPr>
+          <p:cNvPr id="8" name="Rectangle 7"/>
+          <p:cNvSpPr>
+            <a:spLocks noGrp="1" noRot="1" noChangeAspect="1" noMove="1" noResize="1" noEditPoints="1" noAdjustHandles="1" noChangeArrowheads="1" noChangeShapeType="1" noTextEdit="1"/>
+          </p:cNvSpPr>
+          <p:nvPr/>
+        </p:nvSpPr>
+        <p:spPr>
+          <a:xfrm>
+            <a:off x="0" y="0"/>
+            <a:ext cx="12192000" cy="6858000"/>
+          </a:xfrm>
+          <a:prstGeom prst="rect">
+            <a:avLst/>
+          </a:prstGeom>
+          <a:ln>
+            <a:noFill/>
+          </a:ln>
+        </p:spPr>
+        <p:style>
+          <a:lnRef idx="2">
+            <a:schemeClr val="accent1">
+              <a:shade val="50000"/>
+            </a:schemeClr>
+          </a:lnRef>
+          <a:fillRef idx="1">
+            <a:schemeClr val="accent1"/>
+          </a:fillRef>
+          <a:effectRef idx="0">
+            <a:schemeClr val="accent1"/>
+          </a:effectRef>
+          <a:fontRef idx="minor">
+            <a:schemeClr val="lt1"/>
+          </a:fontRef>
+        </p:style>
+        <p:txBody>
+          <a:bodyPr rtlCol="0" anchor="ctr"/>
+          <a:lstStyle/>
+          <a:p>
+            <a:pPr algn="ctr"/>
+            <a:endParaRPr lang="en-US"/>
+          </a:p>
+        </p:txBody>
+      </p:sp>
+      <p:grpSp>
+        <p:nvGrpSpPr>
+          <p:cNvPr id="10" name="Group 9"/>
+          <p:cNvGrpSpPr>
+            <a:grpSpLocks noGrp="1" noRot="1" noChangeAspect="1" noMove="1" noResize="1" noUngrp="1"/>
+          </p:cNvGrpSpPr>
+          <p:nvPr/>
+        </p:nvGrpSpPr>
+        <p:grpSpPr>
+          <a:xfrm>
+            <a:off x="0" y="0"/>
+            <a:ext cx="12192000" cy="6858000"/>
+            <a:chOff x="0" y="0"/>
+            <a:chExt cx="12192000" cy="6858000"/>
+          </a:xfrm>
+        </p:grpSpPr>
+        <p:sp>
+          <p:nvSpPr>
+            <p:cNvPr id="11" name="Rectangle 10"/>
+            <p:cNvSpPr/>
+            <p:nvPr/>
+          </p:nvSpPr>
+          <p:spPr>
+            <a:xfrm>
+              <a:off x="0" y="0"/>
+              <a:ext cx="12192000" cy="6858000"/>
+            </a:xfrm>
+            <a:prstGeom prst="rect">
+              <a:avLst/>
+            </a:prstGeom>
+            <a:noFill/>
+            <a:ln>
+              <a:noFill/>
+            </a:ln>
+          </p:spPr>
+          <p:style>
+            <a:lnRef idx="2">
+              <a:schemeClr val="accent1">
+                <a:shade val="50000"/>
+              </a:schemeClr>
+            </a:lnRef>
+            <a:fillRef idx="1">
+              <a:schemeClr val="accent1"/>
+            </a:fillRef>
+            <a:effectRef idx="0">
+              <a:schemeClr val="accent1"/>
+            </a:effectRef>
+            <a:fontRef idx="minor">
+              <a:schemeClr val="lt1"/>
+            </a:fontRef>
+          </p:style>
+        </p:sp>
+        <p:sp>
+          <p:nvSpPr>
+            <p:cNvPr id="12" name="Freeform 5"/>
+            <p:cNvSpPr>
+              <a:spLocks noEditPoints="1"/>
+            </p:cNvSpPr>
+            <p:nvPr/>
+          </p:nvSpPr>
+          <p:spPr bwMode="gray">
+            <a:xfrm>
+              <a:off x="0" y="1587"/>
+              <a:ext cx="12192000" cy="6856413"/>
+            </a:xfrm>
+            <a:custGeom>
+              <a:avLst/>
+              <a:gdLst/>
+              <a:ahLst/>
+              <a:cxnLst/>
+              <a:rect l="0" t="0" r="r" b="b"/>
+              <a:pathLst>
+                <a:path w="15356" h="8638">
+                  <a:moveTo>
+                    <a:pt x="0" y="0"/>
+                  </a:moveTo>
+                  <a:lnTo>
+                    <a:pt x="0" y="8638"/>
+                  </a:lnTo>
+                  <a:lnTo>
+                    <a:pt x="15356" y="8638"/>
+                  </a:lnTo>
+                  <a:lnTo>
+                    <a:pt x="15356" y="0"/>
+                  </a:lnTo>
+                  <a:lnTo>
+                    <a:pt x="0" y="0"/>
+                  </a:lnTo>
+                  <a:close/>
+                  <a:moveTo>
+                    <a:pt x="14748" y="8038"/>
+                  </a:moveTo>
+                  <a:lnTo>
+                    <a:pt x="600" y="8038"/>
+                  </a:lnTo>
+                  <a:lnTo>
+                    <a:pt x="600" y="592"/>
+                  </a:lnTo>
+                  <a:lnTo>
+                    <a:pt x="14748" y="592"/>
+                  </a:lnTo>
+                  <a:lnTo>
+                    <a:pt x="14748" y="8038"/>
+                  </a:lnTo>
+                  <a:close/>
+                </a:path>
+              </a:pathLst>
+            </a:custGeom>
+            <a:solidFill>
+              <a:schemeClr val="tx1"/>
+            </a:solidFill>
+            <a:ln>
+              <a:noFill/>
+            </a:ln>
+          </p:spPr>
+        </p:sp>
+      </p:grpSp>
+      <p:sp>
+        <p:nvSpPr>
+          <p:cNvPr id="2" name="Title 1"/>
+          <p:cNvSpPr>
+            <a:spLocks noGrp="1"/>
+          </p:cNvSpPr>
+          <p:nvPr>
+            <p:ph type="title"/>
+          </p:nvPr>
+        </p:nvSpPr>
+        <p:spPr>
+          <a:xfrm>
+            <a:off x="636905" y="1085850"/>
+            <a:ext cx="3630295" cy="4686935"/>
+          </a:xfrm>
+        </p:spPr>
+        <p:txBody>
+          <a:bodyPr anchor="ctr">
+            <a:normAutofit/>
+          </a:bodyPr>
+          <a:lstStyle/>
+          <a:p>
+            <a:pPr algn="r"/>
+            <a:r>
+              <a:rPr lang="en-US" sz="4000" b="1" dirty="0">
+                <a:solidFill>
+                  <a:schemeClr val="tx1"/>
+                </a:solidFill>
+              </a:rPr>
+              <a:t>Data Wrangling with R</a:t>
+            </a:r>
+            <a:endParaRPr lang="en-US" sz="4000" b="1" dirty="0">
+              <a:solidFill>
+                <a:schemeClr val="tx1"/>
+              </a:solidFill>
+            </a:endParaRPr>
+          </a:p>
+        </p:txBody>
+      </p:sp>
+      <p:cxnSp>
+        <p:nvCxnSpPr>
+          <p:cNvPr id="14" name="Straight Connector 13"/>
+          <p:cNvCxnSpPr>
+            <a:cxnSpLocks noGrp="1" noRot="1" noChangeAspect="1" noMove="1" noResize="1" noEditPoints="1" noAdjustHandles="1" noChangeArrowheads="1" noChangeShapeType="1"/>
+          </p:cNvCxnSpPr>
+          <p:nvPr/>
+        </p:nvCxnSpPr>
+        <p:spPr>
+          <a:xfrm>
+            <a:off x="4654550" y="1365885"/>
+            <a:ext cx="0" cy="4218305"/>
+          </a:xfrm>
+          <a:prstGeom prst="line">
+            <a:avLst/>
+          </a:prstGeom>
+          <a:ln w="15875" cap="sq">
+            <a:solidFill>
+              <a:schemeClr val="tx1"/>
+            </a:solidFill>
+            <a:miter lim="800000"/>
+          </a:ln>
+        </p:spPr>
+        <p:style>
+          <a:lnRef idx="1">
+            <a:schemeClr val="accent1"/>
+          </a:lnRef>
+          <a:fillRef idx="0">
+            <a:schemeClr val="accent1"/>
+          </a:fillRef>
+          <a:effectRef idx="0">
+            <a:schemeClr val="accent1"/>
+          </a:effectRef>
+          <a:fontRef idx="minor">
+            <a:schemeClr val="tx1"/>
+          </a:fontRef>
+        </p:style>
+      </p:cxnSp>
+      <p:sp>
+        <p:nvSpPr>
+          <p:cNvPr id="3" name="Content Placeholder 2"/>
+          <p:cNvSpPr>
+            <a:spLocks noGrp="1"/>
+          </p:cNvSpPr>
+          <p:nvPr>
+            <p:ph idx="1"/>
+          </p:nvPr>
+        </p:nvSpPr>
+        <p:spPr>
+          <a:xfrm>
+            <a:off x="4859020" y="862965"/>
+            <a:ext cx="6583680" cy="5426710"/>
+          </a:xfrm>
+        </p:spPr>
+        <p:txBody>
+          <a:bodyPr anchor="ctr">
+            <a:noAutofit/>
+          </a:bodyPr>
+          <a:lstStyle/>
+          <a:p>
+            <a:pPr algn="just"/>
+            <a:r>
+              <a:rPr lang="en-US" sz="2300" dirty="0">
+                <a:solidFill>
+                  <a:schemeClr val="tx1"/>
+                </a:solidFill>
+              </a:rPr>
+              <a:t>Also known as </a:t>
+            </a:r>
+            <a:r>
+              <a:rPr lang="en-US" sz="2300" dirty="0">
+                <a:solidFill>
+                  <a:srgbClr val="FFFF00"/>
+                </a:solidFill>
+              </a:rPr>
+              <a:t>data munging</a:t>
+            </a:r>
+            <a:r>
+              <a:rPr lang="en-US" sz="2300" dirty="0">
+                <a:solidFill>
+                  <a:schemeClr val="tx1"/>
+                </a:solidFill>
+              </a:rPr>
+              <a:t>, is the process of cleaning and transforming raw data into a format suitable for analysis</a:t>
+            </a:r>
+            <a:endParaRPr lang="en-US" sz="2300" dirty="0">
+              <a:solidFill>
+                <a:schemeClr val="tx1"/>
+              </a:solidFill>
+            </a:endParaRPr>
+          </a:p>
+          <a:p>
+            <a:pPr algn="just"/>
+            <a:endParaRPr lang="en-US" sz="2300" dirty="0">
+              <a:solidFill>
+                <a:schemeClr val="tx1"/>
+              </a:solidFill>
+            </a:endParaRPr>
+          </a:p>
+          <a:p>
+            <a:pPr algn="just"/>
+            <a:r>
+              <a:rPr lang="en-US" sz="2300" dirty="0">
+                <a:solidFill>
+                  <a:schemeClr val="tx1"/>
+                </a:solidFill>
+              </a:rPr>
+              <a:t>It involves tasks such as removing duplicates, filling in missing data, and transforming data types ( </a:t>
+            </a:r>
+            <a:r>
+              <a:rPr lang="en-US" sz="2300" dirty="0">
+                <a:solidFill>
+                  <a:srgbClr val="FFFF00"/>
+                </a:solidFill>
+              </a:rPr>
+              <a:t>vectors, matrices, arrays, data frames, and lists </a:t>
+            </a:r>
+            <a:r>
+              <a:rPr lang="en-US" sz="2300" dirty="0">
+                <a:solidFill>
+                  <a:schemeClr val="tx1"/>
+                </a:solidFill>
+              </a:rPr>
+              <a:t>)</a:t>
+            </a:r>
+            <a:endParaRPr lang="en-US" sz="2300" dirty="0">
+              <a:solidFill>
+                <a:schemeClr val="tx1"/>
+              </a:solidFill>
+            </a:endParaRPr>
+          </a:p>
+          <a:p>
+            <a:pPr algn="just"/>
+            <a:endParaRPr lang="en-US" sz="2300" dirty="0">
+              <a:solidFill>
+                <a:schemeClr val="tx1"/>
+              </a:solidFill>
+            </a:endParaRPr>
+          </a:p>
+          <a:p>
+            <a:pPr algn="just"/>
+            <a:r>
+              <a:rPr lang="en-US" sz="2300" dirty="0">
+                <a:solidFill>
+                  <a:schemeClr val="tx1"/>
+                </a:solidFill>
+              </a:rPr>
+              <a:t>Wide range of functions for manipulating data, such as subsetting, merging, and transforming data frames (</a:t>
+            </a:r>
+            <a:r>
+              <a:rPr lang="en-US" sz="2300" dirty="0">
+                <a:solidFill>
+                  <a:srgbClr val="FFFF00"/>
+                </a:solidFill>
+                <a:sym typeface="+mn-ea"/>
+              </a:rPr>
+              <a:t>Tidyverse: dplyr and tidyr</a:t>
+            </a:r>
+            <a:r>
+              <a:rPr lang="en-US" sz="2300" dirty="0">
+                <a:solidFill>
+                  <a:schemeClr val="tx1"/>
+                </a:solidFill>
+              </a:rPr>
+              <a:t>)</a:t>
+            </a:r>
+            <a:endParaRPr lang="en-US" sz="2300" dirty="0">
+              <a:solidFill>
+                <a:schemeClr val="tx1"/>
+              </a:solidFill>
+            </a:endParaRPr>
+          </a:p>
+        </p:txBody>
+      </p:sp>
+    </p:spTree>
+  </p:cSld>
+  <p:clrMapOvr>
+    <a:overrideClrMapping bg1="dk1" tx1="lt1" bg2="dk2" tx2="lt2" accent1="accent1" accent2="accent2" accent3="accent3" accent4="accent4" accent5="accent5" accent6="accent6" hlink="hlink" folHlink="folHlink"/>
+  </p:clrMapOvr>
+</p:sld>
+</file>
+
+<file path=ppt/slides/slide7.xml><?xml version="1.0" encoding="utf-8"?>
+<p:sld xmlns:a="http://schemas.openxmlformats.org/drawingml/2006/main" xmlns:r="http://schemas.openxmlformats.org/officeDocument/2006/relationships" xmlns:p="http://schemas.openxmlformats.org/presentationml/2006/main">
+  <p:cSld>
+    <p:bg>
+      <p:bgPr>
+        <a:blipFill rotWithShape="1">
+          <a:blip r:embed="rId1">
+            <a:duotone>
+              <a:schemeClr val="bg2">
+                <a:shade val="69000"/>
+                <a:hueMod val="91000"/>
+                <a:satMod val="164000"/>
+                <a:lumMod val="74000"/>
+              </a:schemeClr>
+              <a:schemeClr val="bg2">
+                <a:hueMod val="124000"/>
+                <a:satMod val="140000"/>
+                <a:lumMod val="142000"/>
+              </a:schemeClr>
+            </a:duotone>
+          </a:blip>
+          <a:stretch>
+            <a:fillRect/>
+          </a:stretch>
+        </a:blipFill>
+        <a:effectLst/>
+      </p:bgPr>
+    </p:bg>
+    <p:spTree>
+      <p:nvGrpSpPr>
+        <p:cNvPr id="1" name=""/>
+        <p:cNvGrpSpPr/>
+        <p:nvPr/>
+      </p:nvGrpSpPr>
+      <p:grpSpPr>
+        <a:xfrm>
+          <a:off x="0" y="0"/>
+          <a:ext cx="0" cy="0"/>
+          <a:chOff x="0" y="0"/>
+          <a:chExt cx="0" cy="0"/>
+        </a:xfrm>
+      </p:grpSpPr>
+      <p:sp useBgFill="1">
+        <p:nvSpPr>
+          <p:cNvPr id="8" name="Rectangle 7"/>
+          <p:cNvSpPr>
+            <a:spLocks noGrp="1" noRot="1" noChangeAspect="1" noMove="1" noResize="1" noEditPoints="1" noAdjustHandles="1" noChangeArrowheads="1" noChangeShapeType="1" noTextEdit="1"/>
+          </p:cNvSpPr>
+          <p:nvPr/>
+        </p:nvSpPr>
+        <p:spPr>
+          <a:xfrm>
+            <a:off x="0" y="0"/>
+            <a:ext cx="12192000" cy="6858000"/>
+          </a:xfrm>
+          <a:prstGeom prst="rect">
+            <a:avLst/>
+          </a:prstGeom>
+          <a:ln>
+            <a:noFill/>
+          </a:ln>
+        </p:spPr>
+        <p:style>
+          <a:lnRef idx="2">
+            <a:schemeClr val="accent1">
+              <a:shade val="50000"/>
+            </a:schemeClr>
+          </a:lnRef>
+          <a:fillRef idx="1">
+            <a:schemeClr val="accent1"/>
+          </a:fillRef>
+          <a:effectRef idx="0">
+            <a:schemeClr val="accent1"/>
+          </a:effectRef>
+          <a:fontRef idx="minor">
+            <a:schemeClr val="lt1"/>
+          </a:fontRef>
+        </p:style>
+        <p:txBody>
+          <a:bodyPr rtlCol="0" anchor="ctr"/>
+          <a:lstStyle/>
+          <a:p>
+            <a:pPr algn="ctr"/>
+            <a:endParaRPr lang="en-US"/>
+          </a:p>
+        </p:txBody>
+      </p:sp>
+      <p:grpSp>
+        <p:nvGrpSpPr>
+          <p:cNvPr id="10" name="Group 9"/>
+          <p:cNvGrpSpPr>
+            <a:grpSpLocks noGrp="1" noRot="1" noChangeAspect="1" noMove="1" noResize="1" noUngrp="1"/>
+          </p:cNvGrpSpPr>
+          <p:nvPr/>
+        </p:nvGrpSpPr>
+        <p:grpSpPr>
+          <a:xfrm>
+            <a:off x="0" y="0"/>
+            <a:ext cx="12192000" cy="6858000"/>
+            <a:chOff x="0" y="0"/>
+            <a:chExt cx="12192000" cy="6858000"/>
+          </a:xfrm>
+        </p:grpSpPr>
+        <p:sp>
+          <p:nvSpPr>
+            <p:cNvPr id="11" name="Rectangle 10"/>
+            <p:cNvSpPr/>
+            <p:nvPr/>
+          </p:nvSpPr>
+          <p:spPr>
+            <a:xfrm>
+              <a:off x="0" y="0"/>
+              <a:ext cx="12192000" cy="6858000"/>
+            </a:xfrm>
+            <a:prstGeom prst="rect">
+              <a:avLst/>
+            </a:prstGeom>
+            <a:noFill/>
+            <a:ln>
+              <a:noFill/>
+            </a:ln>
+          </p:spPr>
+          <p:style>
+            <a:lnRef idx="2">
+              <a:schemeClr val="accent1">
+                <a:shade val="50000"/>
+              </a:schemeClr>
+            </a:lnRef>
+            <a:fillRef idx="1">
+              <a:schemeClr val="accent1"/>
+            </a:fillRef>
+            <a:effectRef idx="0">
+              <a:schemeClr val="accent1"/>
+            </a:effectRef>
+            <a:fontRef idx="minor">
+              <a:schemeClr val="lt1"/>
+            </a:fontRef>
+          </p:style>
+        </p:sp>
+        <p:sp>
+          <p:nvSpPr>
+            <p:cNvPr id="12" name="Freeform 5"/>
+            <p:cNvSpPr>
+              <a:spLocks noEditPoints="1"/>
+            </p:cNvSpPr>
+            <p:nvPr/>
+          </p:nvSpPr>
+          <p:spPr bwMode="gray">
+            <a:xfrm>
+              <a:off x="0" y="1587"/>
+              <a:ext cx="12192000" cy="6856413"/>
+            </a:xfrm>
+            <a:custGeom>
+              <a:avLst/>
+              <a:gdLst/>
+              <a:ahLst/>
+              <a:cxnLst/>
+              <a:rect l="0" t="0" r="r" b="b"/>
+              <a:pathLst>
+                <a:path w="15356" h="8638">
+                  <a:moveTo>
+                    <a:pt x="0" y="0"/>
+                  </a:moveTo>
+                  <a:lnTo>
+                    <a:pt x="0" y="8638"/>
+                  </a:lnTo>
+                  <a:lnTo>
+                    <a:pt x="15356" y="8638"/>
+                  </a:lnTo>
+                  <a:lnTo>
+                    <a:pt x="15356" y="0"/>
+                  </a:lnTo>
+                  <a:lnTo>
+                    <a:pt x="0" y="0"/>
+                  </a:lnTo>
+                  <a:close/>
+                  <a:moveTo>
+                    <a:pt x="14748" y="8038"/>
+                  </a:moveTo>
+                  <a:lnTo>
+                    <a:pt x="600" y="8038"/>
+                  </a:lnTo>
+                  <a:lnTo>
+                    <a:pt x="600" y="592"/>
+                  </a:lnTo>
+                  <a:lnTo>
+                    <a:pt x="14748" y="592"/>
+                  </a:lnTo>
+                  <a:lnTo>
+                    <a:pt x="14748" y="8038"/>
+                  </a:lnTo>
+                  <a:close/>
+                </a:path>
+              </a:pathLst>
+            </a:custGeom>
+            <a:solidFill>
+              <a:schemeClr val="tx1"/>
+            </a:solidFill>
+            <a:ln>
+              <a:noFill/>
+            </a:ln>
+          </p:spPr>
+        </p:sp>
+      </p:grpSp>
+      <p:sp>
+        <p:nvSpPr>
+          <p:cNvPr id="2" name="Title 1"/>
+          <p:cNvSpPr>
+            <a:spLocks noGrp="1"/>
+          </p:cNvSpPr>
+          <p:nvPr>
+            <p:ph type="title"/>
+          </p:nvPr>
+        </p:nvSpPr>
+        <p:spPr>
+          <a:xfrm>
+            <a:off x="636905" y="1085850"/>
+            <a:ext cx="3630295" cy="4686935"/>
+          </a:xfrm>
+        </p:spPr>
+        <p:txBody>
+          <a:bodyPr anchor="ctr">
+            <a:normAutofit/>
+          </a:bodyPr>
+          <a:lstStyle/>
+          <a:p>
+            <a:pPr algn="r"/>
+            <a:r>
+              <a:rPr lang="en-US" sz="4000" b="1" dirty="0">
+                <a:solidFill>
+                  <a:schemeClr val="tx1"/>
+                </a:solidFill>
+              </a:rPr>
+              <a:t>Data Visualization with R</a:t>
+            </a:r>
+            <a:endParaRPr lang="en-US" sz="4000" b="1" dirty="0">
+              <a:solidFill>
+                <a:schemeClr val="tx1"/>
+              </a:solidFill>
+            </a:endParaRPr>
+          </a:p>
+        </p:txBody>
+      </p:sp>
+      <p:cxnSp>
+        <p:nvCxnSpPr>
+          <p:cNvPr id="14" name="Straight Connector 13"/>
+          <p:cNvCxnSpPr>
+            <a:cxnSpLocks noGrp="1" noRot="1" noChangeAspect="1" noMove="1" noResize="1" noEditPoints="1" noAdjustHandles="1" noChangeArrowheads="1" noChangeShapeType="1"/>
+          </p:cNvCxnSpPr>
+          <p:nvPr/>
+        </p:nvCxnSpPr>
+        <p:spPr>
+          <a:xfrm>
+            <a:off x="4654550" y="1365885"/>
+            <a:ext cx="0" cy="4218305"/>
+          </a:xfrm>
+          <a:prstGeom prst="line">
+            <a:avLst/>
+          </a:prstGeom>
+          <a:ln w="15875" cap="sq">
+            <a:solidFill>
+              <a:schemeClr val="tx1"/>
+            </a:solidFill>
+            <a:miter lim="800000"/>
+          </a:ln>
+        </p:spPr>
+        <p:style>
+          <a:lnRef idx="1">
+            <a:schemeClr val="accent1"/>
+          </a:lnRef>
+          <a:fillRef idx="0">
+            <a:schemeClr val="accent1"/>
+          </a:fillRef>
+          <a:effectRef idx="0">
+            <a:schemeClr val="accent1"/>
+          </a:effectRef>
+          <a:fontRef idx="minor">
+            <a:schemeClr val="tx1"/>
+          </a:fontRef>
+        </p:style>
+      </p:cxnSp>
+      <p:sp>
+        <p:nvSpPr>
+          <p:cNvPr id="3" name="Content Placeholder 2"/>
+          <p:cNvSpPr>
+            <a:spLocks noGrp="1"/>
+          </p:cNvSpPr>
+          <p:nvPr>
+            <p:ph idx="1"/>
+          </p:nvPr>
+        </p:nvSpPr>
+        <p:spPr>
+          <a:xfrm>
+            <a:off x="5041399" y="1085549"/>
+            <a:ext cx="5579707" cy="4686903"/>
+          </a:xfrm>
+        </p:spPr>
+        <p:txBody>
+          <a:bodyPr anchor="ctr">
+            <a:normAutofit lnSpcReduction="10000"/>
+          </a:bodyPr>
+          <a:lstStyle/>
+          <a:p>
+            <a:endParaRPr lang="en-US" sz="2400" dirty="0">
+              <a:solidFill>
+                <a:schemeClr val="tx1"/>
+              </a:solidFill>
+            </a:endParaRPr>
+          </a:p>
+          <a:p>
+            <a:r>
+              <a:rPr lang="en-US" sz="2400" dirty="0">
+                <a:solidFill>
+                  <a:schemeClr val="tx1"/>
+                </a:solidFill>
+              </a:rPr>
+              <a:t>Why visualize data? (</a:t>
+            </a:r>
+            <a:r>
+              <a:rPr lang="en-US" sz="2400" dirty="0">
+                <a:solidFill>
+                  <a:srgbClr val="FFFF00"/>
+                </a:solidFill>
+              </a:rPr>
+              <a:t>understand data: identify patterns, trends, and outliers in the data</a:t>
+            </a:r>
+            <a:r>
+              <a:rPr lang="en-US" sz="2400" dirty="0">
+                <a:solidFill>
+                  <a:schemeClr val="tx1"/>
+                </a:solidFill>
+              </a:rPr>
+              <a:t>)</a:t>
+            </a:r>
+            <a:endParaRPr lang="en-US" sz="2400" dirty="0">
+              <a:solidFill>
+                <a:schemeClr val="tx1"/>
+              </a:solidFill>
+            </a:endParaRPr>
+          </a:p>
+          <a:p>
+            <a:endParaRPr lang="en-US" sz="2400" dirty="0">
+              <a:solidFill>
+                <a:schemeClr val="tx1"/>
+              </a:solidFill>
+            </a:endParaRPr>
+          </a:p>
+          <a:p>
+            <a:r>
+              <a:rPr lang="en-US" sz="2400" dirty="0">
+                <a:solidFill>
+                  <a:schemeClr val="tx1"/>
+                </a:solidFill>
+              </a:rPr>
+              <a:t>Different types of plots in R programming (</a:t>
+            </a:r>
+            <a:r>
+              <a:rPr lang="en-US" sz="2400" dirty="0">
+                <a:solidFill>
+                  <a:srgbClr val="FFFF00"/>
+                </a:solidFill>
+              </a:rPr>
+              <a:t>Histogram, Scatter Plot , Box Plot,</a:t>
+            </a:r>
+            <a:r>
+              <a:rPr lang="en-US" sz="2400" dirty="0">
+                <a:solidFill>
+                  <a:schemeClr val="tx1"/>
+                </a:solidFill>
+              </a:rPr>
+              <a:t> ...)</a:t>
+            </a:r>
+            <a:endParaRPr lang="en-US" sz="2400" dirty="0">
+              <a:solidFill>
+                <a:schemeClr val="tx1"/>
+              </a:solidFill>
+            </a:endParaRPr>
+          </a:p>
+          <a:p>
+            <a:endParaRPr lang="en-US" sz="2400" dirty="0">
+              <a:solidFill>
+                <a:schemeClr val="tx1"/>
+              </a:solidFill>
+            </a:endParaRPr>
+          </a:p>
+          <a:p>
+            <a:r>
+              <a:rPr lang="en-US" sz="2400" dirty="0">
+                <a:solidFill>
+                  <a:schemeClr val="tx1"/>
+                </a:solidFill>
+              </a:rPr>
+              <a:t>How to create visualizations using R programming? (</a:t>
+            </a:r>
+            <a:r>
+              <a:rPr lang="en-US" sz="2400" dirty="0">
+                <a:solidFill>
+                  <a:srgbClr val="FFFF00"/>
+                </a:solidFill>
+              </a:rPr>
+              <a:t>Tidyverse: ggplot2 and plotly</a:t>
+            </a:r>
+            <a:r>
+              <a:rPr lang="en-US" sz="2400" dirty="0">
+                <a:solidFill>
+                  <a:schemeClr val="tx1"/>
+                </a:solidFill>
+              </a:rPr>
+              <a:t>)</a:t>
+            </a:r>
+            <a:endParaRPr lang="en-US" sz="2400" dirty="0">
+              <a:solidFill>
+                <a:schemeClr val="tx1"/>
+              </a:solidFill>
+            </a:endParaRPr>
+          </a:p>
+        </p:txBody>
+      </p:sp>
+    </p:spTree>
+  </p:cSld>
+  <p:clrMapOvr>
+    <a:overrideClrMapping bg1="dk1" tx1="lt1" bg2="dk2" tx2="lt2" accent1="accent1" accent2="accent2" accent3="accent3" accent4="accent4" accent5="accent5" accent6="accent6" hlink="hlink" folHlink="folHlink"/>
+  </p:clrMapOvr>
+</p:sld>
+</file>
+
+<file path=ppt/slides/slide8.xml><?xml version="1.0" encoding="utf-8"?>
+<p:sld xmlns:a="http://schemas.openxmlformats.org/drawingml/2006/main" xmlns:r="http://schemas.openxmlformats.org/officeDocument/2006/relationships" xmlns:p="http://schemas.openxmlformats.org/presentationml/2006/main">
+  <p:cSld>
+    <p:bg>
+      <p:bgPr>
+        <a:blipFill rotWithShape="1">
+          <a:blip r:embed="rId1">
+            <a:duotone>
+              <a:schemeClr val="bg2">
+                <a:shade val="69000"/>
+                <a:hueMod val="91000"/>
+                <a:satMod val="164000"/>
+                <a:lumMod val="74000"/>
+              </a:schemeClr>
+              <a:schemeClr val="bg2">
+                <a:hueMod val="124000"/>
+                <a:satMod val="140000"/>
+                <a:lumMod val="142000"/>
+              </a:schemeClr>
+            </a:duotone>
+          </a:blip>
+          <a:stretch>
+            <a:fillRect/>
+          </a:stretch>
+        </a:blipFill>
+        <a:effectLst/>
+      </p:bgPr>
+    </p:bg>
+    <p:spTree>
+      <p:nvGrpSpPr>
+        <p:cNvPr id="1" name=""/>
+        <p:cNvGrpSpPr/>
+        <p:nvPr/>
+      </p:nvGrpSpPr>
+      <p:grpSpPr>
+        <a:xfrm>
+          <a:off x="0" y="0"/>
+          <a:ext cx="0" cy="0"/>
+          <a:chOff x="0" y="0"/>
+          <a:chExt cx="0" cy="0"/>
+        </a:xfrm>
+      </p:grpSpPr>
+      <p:sp useBgFill="1">
+        <p:nvSpPr>
+          <p:cNvPr id="8" name="Rectangle 7"/>
+          <p:cNvSpPr>
+            <a:spLocks noGrp="1" noRot="1" noChangeAspect="1" noMove="1" noResize="1" noEditPoints="1" noAdjustHandles="1" noChangeArrowheads="1" noChangeShapeType="1" noTextEdit="1"/>
+          </p:cNvSpPr>
+          <p:nvPr/>
+        </p:nvSpPr>
+        <p:spPr>
+          <a:xfrm>
+            <a:off x="0" y="0"/>
+            <a:ext cx="12192000" cy="6858000"/>
+          </a:xfrm>
+          <a:prstGeom prst="rect">
+            <a:avLst/>
+          </a:prstGeom>
+          <a:ln>
+            <a:noFill/>
+          </a:ln>
+        </p:spPr>
+        <p:style>
+          <a:lnRef idx="2">
+            <a:schemeClr val="accent1">
+              <a:shade val="50000"/>
+            </a:schemeClr>
+          </a:lnRef>
+          <a:fillRef idx="1">
+            <a:schemeClr val="accent1"/>
+          </a:fillRef>
+          <a:effectRef idx="0">
+            <a:schemeClr val="accent1"/>
+          </a:effectRef>
+          <a:fontRef idx="minor">
+            <a:schemeClr val="lt1"/>
+          </a:fontRef>
+        </p:style>
+        <p:txBody>
+          <a:bodyPr rtlCol="0" anchor="ctr"/>
+          <a:lstStyle/>
+          <a:p>
+            <a:pPr algn="ctr"/>
+            <a:endParaRPr lang="en-US"/>
+          </a:p>
+        </p:txBody>
+      </p:sp>
+      <p:grpSp>
+        <p:nvGrpSpPr>
+          <p:cNvPr id="10" name="Group 9"/>
+          <p:cNvGrpSpPr>
+            <a:grpSpLocks noGrp="1" noRot="1" noChangeAspect="1" noMove="1" noResize="1" noUngrp="1"/>
+          </p:cNvGrpSpPr>
+          <p:nvPr/>
+        </p:nvGrpSpPr>
+        <p:grpSpPr>
+          <a:xfrm>
+            <a:off x="0" y="0"/>
+            <a:ext cx="12192000" cy="6858000"/>
+            <a:chOff x="0" y="0"/>
+            <a:chExt cx="12192000" cy="6858000"/>
+          </a:xfrm>
+        </p:grpSpPr>
+        <p:sp>
+          <p:nvSpPr>
+            <p:cNvPr id="11" name="Rectangle 10"/>
+            <p:cNvSpPr/>
+            <p:nvPr/>
+          </p:nvSpPr>
+          <p:spPr>
+            <a:xfrm>
+              <a:off x="0" y="0"/>
+              <a:ext cx="12192000" cy="6858000"/>
+            </a:xfrm>
+            <a:prstGeom prst="rect">
+              <a:avLst/>
+            </a:prstGeom>
+            <a:noFill/>
+            <a:ln>
+              <a:noFill/>
+            </a:ln>
+          </p:spPr>
+          <p:style>
+            <a:lnRef idx="2">
+              <a:schemeClr val="accent1">
+                <a:shade val="50000"/>
+              </a:schemeClr>
+            </a:lnRef>
+            <a:fillRef idx="1">
+              <a:schemeClr val="accent1"/>
+            </a:fillRef>
+            <a:effectRef idx="0">
+              <a:schemeClr val="accent1"/>
+            </a:effectRef>
+            <a:fontRef idx="minor">
+              <a:schemeClr val="lt1"/>
+            </a:fontRef>
+          </p:style>
+        </p:sp>
+        <p:sp>
+          <p:nvSpPr>
+            <p:cNvPr id="12" name="Freeform 5"/>
+            <p:cNvSpPr>
+              <a:spLocks noEditPoints="1"/>
+            </p:cNvSpPr>
+            <p:nvPr/>
+          </p:nvSpPr>
+          <p:spPr bwMode="gray">
+            <a:xfrm>
+              <a:off x="0" y="1587"/>
+              <a:ext cx="12192000" cy="6856413"/>
+            </a:xfrm>
+            <a:custGeom>
+              <a:avLst/>
+              <a:gdLst/>
+              <a:ahLst/>
+              <a:cxnLst/>
+              <a:rect l="0" t="0" r="r" b="b"/>
+              <a:pathLst>
+                <a:path w="15356" h="8638">
+                  <a:moveTo>
+                    <a:pt x="0" y="0"/>
+                  </a:moveTo>
+                  <a:lnTo>
+                    <a:pt x="0" y="8638"/>
+                  </a:lnTo>
+                  <a:lnTo>
+                    <a:pt x="15356" y="8638"/>
+                  </a:lnTo>
+                  <a:lnTo>
+                    <a:pt x="15356" y="0"/>
+                  </a:lnTo>
+                  <a:lnTo>
+                    <a:pt x="0" y="0"/>
+                  </a:lnTo>
+                  <a:close/>
+                  <a:moveTo>
+                    <a:pt x="14748" y="8038"/>
+                  </a:moveTo>
+                  <a:lnTo>
+                    <a:pt x="600" y="8038"/>
+                  </a:lnTo>
+                  <a:lnTo>
+                    <a:pt x="600" y="592"/>
+                  </a:lnTo>
+                  <a:lnTo>
+                    <a:pt x="14748" y="592"/>
+                  </a:lnTo>
+                  <a:lnTo>
+                    <a:pt x="14748" y="8038"/>
+                  </a:lnTo>
+                  <a:close/>
+                </a:path>
+              </a:pathLst>
+            </a:custGeom>
+            <a:solidFill>
+              <a:schemeClr val="tx1"/>
+            </a:solidFill>
+            <a:ln>
+              <a:noFill/>
+            </a:ln>
+          </p:spPr>
+        </p:sp>
+      </p:grpSp>
+      <p:sp>
+        <p:nvSpPr>
+          <p:cNvPr id="2" name="Title 1"/>
+          <p:cNvSpPr>
+            <a:spLocks noGrp="1"/>
+          </p:cNvSpPr>
+          <p:nvPr>
+            <p:ph type="title"/>
+          </p:nvPr>
+        </p:nvSpPr>
+        <p:spPr>
+          <a:xfrm>
+            <a:off x="636905" y="1085850"/>
+            <a:ext cx="3630295" cy="4686935"/>
+          </a:xfrm>
+        </p:spPr>
+        <p:txBody>
+          <a:bodyPr anchor="ctr">
+            <a:normAutofit/>
+          </a:bodyPr>
+          <a:lstStyle/>
+          <a:p>
+            <a:pPr algn="r"/>
+            <a:r>
+              <a:rPr lang="en-US" sz="4000" b="1" dirty="0">
+                <a:solidFill>
+                  <a:schemeClr val="tx1"/>
+                </a:solidFill>
+              </a:rPr>
+              <a:t>Machine Learning</a:t>
+            </a:r>
+            <a:br>
+              <a:rPr lang="en-US" sz="4000" b="1" dirty="0">
+                <a:solidFill>
+                  <a:schemeClr val="tx1"/>
+                </a:solidFill>
+              </a:rPr>
+            </a:br>
+            <a:r>
+              <a:rPr lang="en-US" sz="4000" b="1" dirty="0">
+                <a:solidFill>
+                  <a:schemeClr val="tx1"/>
+                </a:solidFill>
+              </a:rPr>
+              <a:t> with R</a:t>
+            </a:r>
+            <a:endParaRPr lang="en-US" sz="4000" b="1" dirty="0">
+              <a:solidFill>
+                <a:schemeClr val="tx1"/>
+              </a:solidFill>
+            </a:endParaRPr>
+          </a:p>
+        </p:txBody>
+      </p:sp>
+      <p:cxnSp>
+        <p:nvCxnSpPr>
+          <p:cNvPr id="14" name="Straight Connector 13"/>
+          <p:cNvCxnSpPr>
+            <a:cxnSpLocks noGrp="1" noRot="1" noChangeAspect="1" noMove="1" noResize="1" noEditPoints="1" noAdjustHandles="1" noChangeArrowheads="1" noChangeShapeType="1"/>
+          </p:cNvCxnSpPr>
+          <p:nvPr/>
+        </p:nvCxnSpPr>
+        <p:spPr>
+          <a:xfrm>
+            <a:off x="4654550" y="1365885"/>
+            <a:ext cx="0" cy="4218305"/>
+          </a:xfrm>
+          <a:prstGeom prst="line">
+            <a:avLst/>
+          </a:prstGeom>
+          <a:ln w="15875" cap="sq">
+            <a:solidFill>
+              <a:schemeClr val="tx1"/>
+            </a:solidFill>
+            <a:miter lim="800000"/>
+          </a:ln>
+        </p:spPr>
+        <p:style>
+          <a:lnRef idx="1">
+            <a:schemeClr val="accent1"/>
+          </a:lnRef>
+          <a:fillRef idx="0">
+            <a:schemeClr val="accent1"/>
+          </a:fillRef>
+          <a:effectRef idx="0">
+            <a:schemeClr val="accent1"/>
+          </a:effectRef>
+          <a:fontRef idx="minor">
+            <a:schemeClr val="tx1"/>
+          </a:fontRef>
+        </p:style>
+      </p:cxnSp>
+      <p:sp>
+        <p:nvSpPr>
+          <p:cNvPr id="3" name="Content Placeholder 2"/>
+          <p:cNvSpPr>
+            <a:spLocks noGrp="1"/>
+          </p:cNvSpPr>
+          <p:nvPr>
+            <p:ph idx="1"/>
+          </p:nvPr>
+        </p:nvSpPr>
+        <p:spPr>
+          <a:xfrm>
+            <a:off x="5041399" y="1085549"/>
+            <a:ext cx="5579707" cy="4686903"/>
+          </a:xfrm>
+        </p:spPr>
+        <p:txBody>
+          <a:bodyPr anchor="ctr">
+            <a:normAutofit lnSpcReduction="10000"/>
+          </a:bodyPr>
+          <a:lstStyle/>
+          <a:p>
+            <a:endParaRPr lang="en-US" sz="2400" dirty="0">
+              <a:solidFill>
+                <a:schemeClr val="tx1"/>
+              </a:solidFill>
+            </a:endParaRPr>
+          </a:p>
+          <a:p>
+            <a:r>
+              <a:rPr lang="en-US" sz="2400" dirty="0">
+                <a:solidFill>
+                  <a:schemeClr val="tx1"/>
+                </a:solidFill>
+              </a:rPr>
+              <a:t>Machine Learning (</a:t>
+            </a:r>
+            <a:r>
+              <a:rPr lang="en-US" sz="2400" dirty="0">
+                <a:solidFill>
+                  <a:srgbClr val="FFFF00"/>
+                </a:solidFill>
+              </a:rPr>
+              <a:t>learn from data and make predictions or decisions without being explicitly programmed</a:t>
+            </a:r>
+            <a:r>
+              <a:rPr lang="en-US" sz="2400" dirty="0">
+                <a:solidFill>
+                  <a:schemeClr val="tx1"/>
+                </a:solidFill>
+              </a:rPr>
+              <a:t>)</a:t>
+            </a:r>
+            <a:endParaRPr lang="en-US" sz="2400" dirty="0">
+              <a:solidFill>
+                <a:schemeClr val="tx1"/>
+              </a:solidFill>
+            </a:endParaRPr>
+          </a:p>
+          <a:p>
+            <a:endParaRPr lang="en-US" sz="2400" dirty="0">
+              <a:solidFill>
+                <a:schemeClr val="tx1"/>
+              </a:solidFill>
+            </a:endParaRPr>
+          </a:p>
+          <a:p>
+            <a:r>
+              <a:rPr lang="en-US" sz="2400" dirty="0">
+                <a:solidFill>
+                  <a:schemeClr val="tx1"/>
+                </a:solidFill>
+              </a:rPr>
+              <a:t>Wide range of libraries in R (</a:t>
+            </a:r>
+            <a:r>
+              <a:rPr lang="en-US" sz="2400" dirty="0">
+                <a:solidFill>
+                  <a:srgbClr val="FFFF00"/>
+                </a:solidFill>
+              </a:rPr>
+              <a:t>caret, mlr, and randomForest</a:t>
+            </a:r>
+            <a:r>
+              <a:rPr lang="en-US" sz="2400" dirty="0">
+                <a:solidFill>
+                  <a:schemeClr val="tx1"/>
+                </a:solidFill>
+              </a:rPr>
+              <a:t>)</a:t>
+            </a:r>
+            <a:endParaRPr lang="en-US" sz="2400" dirty="0">
+              <a:solidFill>
+                <a:schemeClr val="tx1"/>
+              </a:solidFill>
+            </a:endParaRPr>
+          </a:p>
+        </p:txBody>
+      </p:sp>
+    </p:spTree>
+  </p:cSld>
+  <p:clrMapOvr>
+    <a:overrideClrMapping bg1="dk1" tx1="lt1" bg2="dk2" tx2="lt2" accent1="accent1" accent2="accent2" accent3="accent3" accent4="accent4" accent5="accent5" accent6="accent6" hlink="hlink" folHlink="folHlink"/>
+  </p:clrMapOvr>
+</p:sld>
+</file>
+
+<file path=ppt/slides/slide9.xml><?xml version="1.0" encoding="utf-8"?>
+<p:sld xmlns:a="http://schemas.openxmlformats.org/drawingml/2006/main" xmlns:r="http://schemas.openxmlformats.org/officeDocument/2006/relationships" xmlns:p="http://schemas.openxmlformats.org/presentationml/2006/main">
+  <p:cSld>
+    <p:bg>
+      <p:bgPr>
+        <a:blipFill rotWithShape="1">
+          <a:blip r:embed="rId1">
+            <a:duotone>
+              <a:schemeClr val="bg2">
+                <a:shade val="69000"/>
+                <a:hueMod val="91000"/>
+                <a:satMod val="164000"/>
+                <a:lumMod val="74000"/>
+              </a:schemeClr>
+              <a:schemeClr val="bg2">
+                <a:hueMod val="124000"/>
+                <a:satMod val="140000"/>
+                <a:lumMod val="142000"/>
+              </a:schemeClr>
+            </a:duotone>
+          </a:blip>
+          <a:stretch>
+            <a:fillRect/>
+          </a:stretch>
+        </a:blipFill>
+        <a:effectLst/>
+      </p:bgPr>
+    </p:bg>
+    <p:spTree>
+      <p:nvGrpSpPr>
+        <p:cNvPr id="1" name=""/>
+        <p:cNvGrpSpPr/>
+        <p:nvPr/>
+      </p:nvGrpSpPr>
+      <p:grpSpPr>
+        <a:xfrm>
+          <a:off x="0" y="0"/>
+          <a:ext cx="0" cy="0"/>
+          <a:chOff x="0" y="0"/>
+          <a:chExt cx="0" cy="0"/>
+        </a:xfrm>
+      </p:grpSpPr>
+      <p:sp useBgFill="1">
+        <p:nvSpPr>
+          <p:cNvPr id="8" name="Rectangle 7"/>
+          <p:cNvSpPr>
+            <a:spLocks noGrp="1" noRot="1" noChangeAspect="1" noMove="1" noResize="1" noEditPoints="1" noAdjustHandles="1" noChangeArrowheads="1" noChangeShapeType="1" noTextEdit="1"/>
+          </p:cNvSpPr>
+          <p:nvPr/>
+        </p:nvSpPr>
+        <p:spPr>
+          <a:xfrm>
+            <a:off x="0" y="0"/>
+            <a:ext cx="12192000" cy="6858000"/>
+          </a:xfrm>
+          <a:prstGeom prst="rect">
+            <a:avLst/>
+          </a:prstGeom>
+          <a:ln>
+            <a:noFill/>
+          </a:ln>
+        </p:spPr>
+        <p:style>
+          <a:lnRef idx="2">
+            <a:schemeClr val="accent1">
+              <a:shade val="50000"/>
+            </a:schemeClr>
+          </a:lnRef>
+          <a:fillRef idx="1">
+            <a:schemeClr val="accent1"/>
+          </a:fillRef>
+          <a:effectRef idx="0">
+            <a:schemeClr val="accent1"/>
+          </a:effectRef>
+          <a:fontRef idx="minor">
+            <a:schemeClr val="lt1"/>
+          </a:fontRef>
+        </p:style>
+        <p:txBody>
+          <a:bodyPr rtlCol="0" anchor="ctr"/>
+          <a:lstStyle/>
+          <a:p>
+            <a:pPr algn="ctr"/>
+            <a:endParaRPr lang="en-US"/>
+          </a:p>
+        </p:txBody>
+      </p:sp>
+      <p:grpSp>
+        <p:nvGrpSpPr>
+          <p:cNvPr id="10" name="Group 9"/>
+          <p:cNvGrpSpPr>
+            <a:grpSpLocks noGrp="1" noRot="1" noChangeAspect="1" noMove="1" noResize="1" noUngrp="1"/>
+          </p:cNvGrpSpPr>
+          <p:nvPr/>
+        </p:nvGrpSpPr>
+        <p:grpSpPr>
+          <a:xfrm>
+            <a:off x="0" y="0"/>
+            <a:ext cx="12192000" cy="6858000"/>
+            <a:chOff x="0" y="0"/>
+            <a:chExt cx="12192000" cy="6858000"/>
+          </a:xfrm>
+        </p:grpSpPr>
+        <p:sp>
+          <p:nvSpPr>
+            <p:cNvPr id="11" name="Rectangle 10"/>
+            <p:cNvSpPr/>
+            <p:nvPr/>
+          </p:nvSpPr>
+          <p:spPr>
+            <a:xfrm>
+              <a:off x="0" y="0"/>
+              <a:ext cx="12192000" cy="6858000"/>
+            </a:xfrm>
+            <a:prstGeom prst="rect">
+              <a:avLst/>
+            </a:prstGeom>
+            <a:noFill/>
+            <a:ln>
+              <a:noFill/>
+            </a:ln>
+          </p:spPr>
+          <p:style>
+            <a:lnRef idx="2">
+              <a:schemeClr val="accent1">
+                <a:shade val="50000"/>
+              </a:schemeClr>
+            </a:lnRef>
+            <a:fillRef idx="1">
+              <a:schemeClr val="accent1"/>
+            </a:fillRef>
+            <a:effectRef idx="0">
+              <a:schemeClr val="accent1"/>
+            </a:effectRef>
+            <a:fontRef idx="minor">
+              <a:schemeClr val="lt1"/>
+            </a:fontRef>
+          </p:style>
+        </p:sp>
+        <p:sp>
+          <p:nvSpPr>
+            <p:cNvPr id="12" name="Freeform 5"/>
+            <p:cNvSpPr>
+              <a:spLocks noEditPoints="1"/>
+            </p:cNvSpPr>
+            <p:nvPr/>
+          </p:nvSpPr>
+          <p:spPr bwMode="gray">
+            <a:xfrm>
+              <a:off x="0" y="1587"/>
+              <a:ext cx="12192000" cy="6856413"/>
+            </a:xfrm>
+            <a:custGeom>
+              <a:avLst/>
+              <a:gdLst/>
+              <a:ahLst/>
+              <a:cxnLst/>
+              <a:rect l="0" t="0" r="r" b="b"/>
+              <a:pathLst>
+                <a:path w="15356" h="8638">
+                  <a:moveTo>
+                    <a:pt x="0" y="0"/>
+                  </a:moveTo>
+                  <a:lnTo>
+                    <a:pt x="0" y="8638"/>
+                  </a:lnTo>
+                  <a:lnTo>
+                    <a:pt x="15356" y="8638"/>
+                  </a:lnTo>
+                  <a:lnTo>
+                    <a:pt x="15356" y="0"/>
+                  </a:lnTo>
+                  <a:lnTo>
+                    <a:pt x="0" y="0"/>
+                  </a:lnTo>
+                  <a:close/>
+                  <a:moveTo>
+                    <a:pt x="14748" y="8038"/>
+                  </a:moveTo>
+                  <a:lnTo>
+                    <a:pt x="600" y="8038"/>
+                  </a:lnTo>
+                  <a:lnTo>
+                    <a:pt x="600" y="592"/>
+                  </a:lnTo>
+                  <a:lnTo>
+                    <a:pt x="14748" y="592"/>
+                  </a:lnTo>
+                  <a:lnTo>
+                    <a:pt x="14748" y="8038"/>
+                  </a:lnTo>
+                  <a:close/>
+                </a:path>
+              </a:pathLst>
+            </a:custGeom>
+            <a:solidFill>
+              <a:schemeClr val="tx1"/>
+            </a:solidFill>
+            <a:ln>
+              <a:noFill/>
+            </a:ln>
+          </p:spPr>
+        </p:sp>
+      </p:grpSp>
+      <p:sp>
+        <p:nvSpPr>
+          <p:cNvPr id="2" name="Title 1"/>
+          <p:cNvSpPr>
+            <a:spLocks noGrp="1"/>
+          </p:cNvSpPr>
+          <p:nvPr>
+            <p:ph type="title"/>
+          </p:nvPr>
+        </p:nvSpPr>
+        <p:spPr>
+          <a:xfrm>
+            <a:off x="636905" y="1085850"/>
+            <a:ext cx="3630295" cy="4686935"/>
+          </a:xfrm>
+        </p:spPr>
+        <p:txBody>
+          <a:bodyPr anchor="ctr">
+            <a:normAutofit/>
+          </a:bodyPr>
+          <a:lstStyle/>
+          <a:p>
+            <a:pPr algn="r"/>
+            <a:r>
+              <a:rPr lang="en-US" sz="4000" b="1" dirty="0">
+                <a:solidFill>
+                  <a:schemeClr val="tx1"/>
+                </a:solidFill>
+              </a:rPr>
+              <a:t>Completion </a:t>
+            </a:r>
+            <a:endParaRPr lang="en-US" sz="4000" b="1" dirty="0">
+              <a:solidFill>
+                <a:schemeClr val="tx1"/>
+              </a:solidFill>
+            </a:endParaRPr>
+          </a:p>
+        </p:txBody>
+      </p:sp>
+      <p:cxnSp>
+        <p:nvCxnSpPr>
+          <p:cNvPr id="14" name="Straight Connector 13"/>
+          <p:cNvCxnSpPr>
+            <a:cxnSpLocks noGrp="1" noRot="1" noChangeAspect="1" noMove="1" noResize="1" noEditPoints="1" noAdjustHandles="1" noChangeArrowheads="1" noChangeShapeType="1"/>
+          </p:cNvCxnSpPr>
+          <p:nvPr/>
+        </p:nvCxnSpPr>
+        <p:spPr>
+          <a:xfrm>
+            <a:off x="4654550" y="1365885"/>
+            <a:ext cx="0" cy="4218305"/>
+          </a:xfrm>
+          <a:prstGeom prst="line">
+            <a:avLst/>
+          </a:prstGeom>
+          <a:ln w="15875" cap="sq">
+            <a:solidFill>
+              <a:schemeClr val="tx1"/>
+            </a:solidFill>
+            <a:miter lim="800000"/>
+          </a:ln>
+        </p:spPr>
+        <p:style>
+          <a:lnRef idx="1">
+            <a:schemeClr val="accent1"/>
+          </a:lnRef>
+          <a:fillRef idx="0">
+            <a:schemeClr val="accent1"/>
+          </a:fillRef>
+          <a:effectRef idx="0">
+            <a:schemeClr val="accent1"/>
+          </a:effectRef>
+          <a:fontRef idx="minor">
+            <a:schemeClr val="tx1"/>
+          </a:fontRef>
+        </p:style>
+      </p:cxnSp>
+      <p:pic>
+        <p:nvPicPr>
+          <p:cNvPr id="5" name="Content Placeholder 4"/>
+          <p:cNvPicPr>
+            <a:picLocks noChangeAspect="1"/>
+          </p:cNvPicPr>
+          <p:nvPr>
+            <p:ph idx="1"/>
+          </p:nvPr>
+        </p:nvPicPr>
+        <p:blipFill>
+          <a:blip r:embed="rId2"/>
+          <a:stretch>
+            <a:fillRect/>
+          </a:stretch>
+        </p:blipFill>
+        <p:spPr>
+          <a:xfrm>
+            <a:off x="4968240" y="1996440"/>
+            <a:ext cx="5702300" cy="3208020"/>
+          </a:xfrm>
+          <a:prstGeom prst="rect">
+            <a:avLst/>
+          </a:prstGeom>
+        </p:spPr>
+      </p:pic>
     </p:spTree>
   </p:cSld>
   <p:clrMapOvr>
